--- a/0. document/Requirements180718.pptx
+++ b/0. document/Requirements180718.pptx
@@ -9,6 +9,7 @@
     <p:sldId id="256" r:id="rId3"/>
     <p:sldId id="257" r:id="rId4"/>
     <p:sldId id="258" r:id="rId5"/>
+    <p:sldId id="260" r:id="rId6"/>
   </p:sldIdLst>
   <p:sldSz cx="9144000" cy="6858000" type="screen4x3"/>
   <p:notesSz cx="6858000" cy="9144000"/>
@@ -291,7 +292,7 @@
           <a:p>
             <a:fld id="{3BDD47A5-76E8-4BDC-8ADE-A96C604472FB}" type="datetimeFigureOut">
               <a:rPr lang="ko-KR" altLang="en-US" smtClean="0"/>
-              <a:t>2018-07-18</a:t>
+              <a:t>2018-07-19</a:t>
             </a:fld>
             <a:endParaRPr lang="ko-KR" altLang="en-US"/>
           </a:p>
@@ -461,7 +462,7 @@
           <a:p>
             <a:fld id="{3BDD47A5-76E8-4BDC-8ADE-A96C604472FB}" type="datetimeFigureOut">
               <a:rPr lang="ko-KR" altLang="en-US" smtClean="0"/>
-              <a:t>2018-07-18</a:t>
+              <a:t>2018-07-19</a:t>
             </a:fld>
             <a:endParaRPr lang="ko-KR" altLang="en-US"/>
           </a:p>
@@ -641,7 +642,7 @@
           <a:p>
             <a:fld id="{3BDD47A5-76E8-4BDC-8ADE-A96C604472FB}" type="datetimeFigureOut">
               <a:rPr lang="ko-KR" altLang="en-US" smtClean="0"/>
-              <a:t>2018-07-18</a:t>
+              <a:t>2018-07-19</a:t>
             </a:fld>
             <a:endParaRPr lang="ko-KR" altLang="en-US"/>
           </a:p>
@@ -811,7 +812,7 @@
           <a:p>
             <a:fld id="{3BDD47A5-76E8-4BDC-8ADE-A96C604472FB}" type="datetimeFigureOut">
               <a:rPr lang="ko-KR" altLang="en-US" smtClean="0"/>
-              <a:t>2018-07-18</a:t>
+              <a:t>2018-07-19</a:t>
             </a:fld>
             <a:endParaRPr lang="ko-KR" altLang="en-US"/>
           </a:p>
@@ -1057,7 +1058,7 @@
           <a:p>
             <a:fld id="{3BDD47A5-76E8-4BDC-8ADE-A96C604472FB}" type="datetimeFigureOut">
               <a:rPr lang="ko-KR" altLang="en-US" smtClean="0"/>
-              <a:t>2018-07-18</a:t>
+              <a:t>2018-07-19</a:t>
             </a:fld>
             <a:endParaRPr lang="ko-KR" altLang="en-US"/>
           </a:p>
@@ -1345,7 +1346,7 @@
           <a:p>
             <a:fld id="{3BDD47A5-76E8-4BDC-8ADE-A96C604472FB}" type="datetimeFigureOut">
               <a:rPr lang="ko-KR" altLang="en-US" smtClean="0"/>
-              <a:t>2018-07-18</a:t>
+              <a:t>2018-07-19</a:t>
             </a:fld>
             <a:endParaRPr lang="ko-KR" altLang="en-US"/>
           </a:p>
@@ -1767,7 +1768,7 @@
           <a:p>
             <a:fld id="{3BDD47A5-76E8-4BDC-8ADE-A96C604472FB}" type="datetimeFigureOut">
               <a:rPr lang="ko-KR" altLang="en-US" smtClean="0"/>
-              <a:t>2018-07-18</a:t>
+              <a:t>2018-07-19</a:t>
             </a:fld>
             <a:endParaRPr lang="ko-KR" altLang="en-US"/>
           </a:p>
@@ -1885,7 +1886,7 @@
           <a:p>
             <a:fld id="{3BDD47A5-76E8-4BDC-8ADE-A96C604472FB}" type="datetimeFigureOut">
               <a:rPr lang="ko-KR" altLang="en-US" smtClean="0"/>
-              <a:t>2018-07-18</a:t>
+              <a:t>2018-07-19</a:t>
             </a:fld>
             <a:endParaRPr lang="ko-KR" altLang="en-US"/>
           </a:p>
@@ -1980,7 +1981,7 @@
           <a:p>
             <a:fld id="{3BDD47A5-76E8-4BDC-8ADE-A96C604472FB}" type="datetimeFigureOut">
               <a:rPr lang="ko-KR" altLang="en-US" smtClean="0"/>
-              <a:t>2018-07-18</a:t>
+              <a:t>2018-07-19</a:t>
             </a:fld>
             <a:endParaRPr lang="ko-KR" altLang="en-US"/>
           </a:p>
@@ -2257,7 +2258,7 @@
           <a:p>
             <a:fld id="{3BDD47A5-76E8-4BDC-8ADE-A96C604472FB}" type="datetimeFigureOut">
               <a:rPr lang="ko-KR" altLang="en-US" smtClean="0"/>
-              <a:t>2018-07-18</a:t>
+              <a:t>2018-07-19</a:t>
             </a:fld>
             <a:endParaRPr lang="ko-KR" altLang="en-US"/>
           </a:p>
@@ -2510,7 +2511,7 @@
           <a:p>
             <a:fld id="{3BDD47A5-76E8-4BDC-8ADE-A96C604472FB}" type="datetimeFigureOut">
               <a:rPr lang="ko-KR" altLang="en-US" smtClean="0"/>
-              <a:t>2018-07-18</a:t>
+              <a:t>2018-07-19</a:t>
             </a:fld>
             <a:endParaRPr lang="ko-KR" altLang="en-US"/>
           </a:p>
@@ -2723,7 +2724,7 @@
           <a:p>
             <a:fld id="{3BDD47A5-76E8-4BDC-8ADE-A96C604472FB}" type="datetimeFigureOut">
               <a:rPr lang="ko-KR" altLang="en-US" smtClean="0"/>
-              <a:t>2018-07-18</a:t>
+              <a:t>2018-07-19</a:t>
             </a:fld>
             <a:endParaRPr lang="ko-KR" altLang="en-US"/>
           </a:p>
@@ -3098,6 +3099,674 @@
           <a:chExt cx="0" cy="0"/>
         </a:xfrm>
       </p:grpSpPr>
+      <p:sp>
+        <p:nvSpPr>
+          <p:cNvPr id="2" name="직사각형 1"/>
+          <p:cNvSpPr/>
+          <p:nvPr/>
+        </p:nvSpPr>
+        <p:spPr>
+          <a:xfrm>
+            <a:off x="467544" y="332656"/>
+            <a:ext cx="3096344" cy="648072"/>
+          </a:xfrm>
+          <a:prstGeom prst="rect">
+            <a:avLst/>
+          </a:prstGeom>
+          <a:solidFill>
+            <a:schemeClr val="bg1"/>
+          </a:solidFill>
+          <a:ln>
+            <a:solidFill>
+              <a:schemeClr val="tx1"/>
+            </a:solidFill>
+          </a:ln>
+        </p:spPr>
+        <p:style>
+          <a:lnRef idx="2">
+            <a:schemeClr val="accent1">
+              <a:shade val="50000"/>
+            </a:schemeClr>
+          </a:lnRef>
+          <a:fillRef idx="1">
+            <a:schemeClr val="accent1"/>
+          </a:fillRef>
+          <a:effectRef idx="0">
+            <a:schemeClr val="accent1"/>
+          </a:effectRef>
+          <a:fontRef idx="minor">
+            <a:schemeClr val="lt1"/>
+          </a:fontRef>
+        </p:style>
+        <p:txBody>
+          <a:bodyPr rtlCol="0" anchor="ctr"/>
+          <a:lstStyle/>
+          <a:p>
+            <a:pPr algn="ctr"/>
+            <a:r>
+              <a:rPr lang="en-US" altLang="ko-KR" dirty="0" smtClean="0">
+                <a:solidFill>
+                  <a:schemeClr val="tx1"/>
+                </a:solidFill>
+              </a:rPr>
+              <a:t>Main</a:t>
+            </a:r>
+            <a:endParaRPr lang="en-US" altLang="ko-KR" dirty="0" smtClean="0">
+              <a:solidFill>
+                <a:schemeClr val="tx1"/>
+              </a:solidFill>
+            </a:endParaRPr>
+          </a:p>
+        </p:txBody>
+      </p:sp>
+      <p:sp>
+        <p:nvSpPr>
+          <p:cNvPr id="3" name="직사각형 2"/>
+          <p:cNvSpPr/>
+          <p:nvPr/>
+        </p:nvSpPr>
+        <p:spPr>
+          <a:xfrm>
+            <a:off x="1043608" y="1196752"/>
+            <a:ext cx="6912768" cy="504056"/>
+          </a:xfrm>
+          <a:prstGeom prst="rect">
+            <a:avLst/>
+          </a:prstGeom>
+          <a:solidFill>
+            <a:schemeClr val="bg1"/>
+          </a:solidFill>
+          <a:ln>
+            <a:solidFill>
+              <a:schemeClr val="tx1"/>
+            </a:solidFill>
+          </a:ln>
+        </p:spPr>
+        <p:style>
+          <a:lnRef idx="2">
+            <a:schemeClr val="accent1">
+              <a:shade val="50000"/>
+            </a:schemeClr>
+          </a:lnRef>
+          <a:fillRef idx="1">
+            <a:schemeClr val="accent1"/>
+          </a:fillRef>
+          <a:effectRef idx="0">
+            <a:schemeClr val="accent1"/>
+          </a:effectRef>
+          <a:fontRef idx="minor">
+            <a:schemeClr val="lt1"/>
+          </a:fontRef>
+        </p:style>
+        <p:txBody>
+          <a:bodyPr rtlCol="0" anchor="ctr"/>
+          <a:lstStyle/>
+          <a:p>
+            <a:pPr algn="ctr"/>
+            <a:r>
+              <a:rPr lang="ko-KR" altLang="en-US" dirty="0" err="1" smtClean="0">
+                <a:solidFill>
+                  <a:schemeClr val="tx1"/>
+                </a:solidFill>
+              </a:rPr>
+              <a:t>메뉴바</a:t>
+            </a:r>
+            <a:endParaRPr lang="ko-KR" altLang="en-US" dirty="0">
+              <a:solidFill>
+                <a:schemeClr val="tx1"/>
+              </a:solidFill>
+            </a:endParaRPr>
+          </a:p>
+        </p:txBody>
+      </p:sp>
+      <p:sp>
+        <p:nvSpPr>
+          <p:cNvPr id="4" name="직사각형 3"/>
+          <p:cNvSpPr/>
+          <p:nvPr/>
+        </p:nvSpPr>
+        <p:spPr>
+          <a:xfrm>
+            <a:off x="1259632" y="1844824"/>
+            <a:ext cx="6480720" cy="504056"/>
+          </a:xfrm>
+          <a:prstGeom prst="rect">
+            <a:avLst/>
+          </a:prstGeom>
+          <a:solidFill>
+            <a:schemeClr val="bg1"/>
+          </a:solidFill>
+          <a:ln>
+            <a:solidFill>
+              <a:schemeClr val="tx1"/>
+            </a:solidFill>
+          </a:ln>
+        </p:spPr>
+        <p:style>
+          <a:lnRef idx="2">
+            <a:schemeClr val="accent1">
+              <a:shade val="50000"/>
+            </a:schemeClr>
+          </a:lnRef>
+          <a:fillRef idx="1">
+            <a:schemeClr val="accent1"/>
+          </a:fillRef>
+          <a:effectRef idx="0">
+            <a:schemeClr val="accent1"/>
+          </a:effectRef>
+          <a:fontRef idx="minor">
+            <a:schemeClr val="lt1"/>
+          </a:fontRef>
+        </p:style>
+        <p:txBody>
+          <a:bodyPr rtlCol="0" anchor="ctr"/>
+          <a:lstStyle/>
+          <a:p>
+            <a:pPr algn="ctr"/>
+            <a:r>
+              <a:rPr lang="ko-KR" altLang="en-US" dirty="0" err="1" smtClean="0">
+                <a:solidFill>
+                  <a:schemeClr val="tx1"/>
+                </a:solidFill>
+              </a:rPr>
+              <a:t>튜토리얼</a:t>
+            </a:r>
+            <a:endParaRPr lang="ko-KR" altLang="en-US" dirty="0">
+              <a:solidFill>
+                <a:schemeClr val="tx1"/>
+              </a:solidFill>
+            </a:endParaRPr>
+          </a:p>
+        </p:txBody>
+      </p:sp>
+      <p:sp>
+        <p:nvSpPr>
+          <p:cNvPr id="5" name="직사각형 4"/>
+          <p:cNvSpPr/>
+          <p:nvPr/>
+        </p:nvSpPr>
+        <p:spPr>
+          <a:xfrm>
+            <a:off x="1219991" y="2472009"/>
+            <a:ext cx="3119363" cy="1512168"/>
+          </a:xfrm>
+          <a:prstGeom prst="rect">
+            <a:avLst/>
+          </a:prstGeom>
+          <a:solidFill>
+            <a:schemeClr val="bg1"/>
+          </a:solidFill>
+          <a:ln>
+            <a:solidFill>
+              <a:schemeClr val="tx1"/>
+            </a:solidFill>
+          </a:ln>
+        </p:spPr>
+        <p:style>
+          <a:lnRef idx="2">
+            <a:schemeClr val="accent1">
+              <a:shade val="50000"/>
+            </a:schemeClr>
+          </a:lnRef>
+          <a:fillRef idx="1">
+            <a:schemeClr val="accent1"/>
+          </a:fillRef>
+          <a:effectRef idx="0">
+            <a:schemeClr val="accent1"/>
+          </a:effectRef>
+          <a:fontRef idx="minor">
+            <a:schemeClr val="lt1"/>
+          </a:fontRef>
+        </p:style>
+        <p:txBody>
+          <a:bodyPr rtlCol="0" anchor="ctr"/>
+          <a:lstStyle/>
+          <a:p>
+            <a:pPr algn="ctr"/>
+            <a:r>
+              <a:rPr lang="ko-KR" altLang="en-US" dirty="0" smtClean="0">
+                <a:solidFill>
+                  <a:schemeClr val="tx1"/>
+                </a:solidFill>
+              </a:rPr>
+              <a:t>영어</a:t>
+            </a:r>
+            <a:endParaRPr lang="ko-KR" altLang="en-US" dirty="0">
+              <a:solidFill>
+                <a:schemeClr val="tx1"/>
+              </a:solidFill>
+            </a:endParaRPr>
+          </a:p>
+        </p:txBody>
+      </p:sp>
+      <p:sp>
+        <p:nvSpPr>
+          <p:cNvPr id="6" name="직사각형 5"/>
+          <p:cNvSpPr/>
+          <p:nvPr/>
+        </p:nvSpPr>
+        <p:spPr>
+          <a:xfrm>
+            <a:off x="4604366" y="2472009"/>
+            <a:ext cx="3119363" cy="1512168"/>
+          </a:xfrm>
+          <a:prstGeom prst="rect">
+            <a:avLst/>
+          </a:prstGeom>
+          <a:solidFill>
+            <a:schemeClr val="bg1"/>
+          </a:solidFill>
+          <a:ln>
+            <a:solidFill>
+              <a:schemeClr val="tx1"/>
+            </a:solidFill>
+          </a:ln>
+        </p:spPr>
+        <p:style>
+          <a:lnRef idx="2">
+            <a:schemeClr val="accent1">
+              <a:shade val="50000"/>
+            </a:schemeClr>
+          </a:lnRef>
+          <a:fillRef idx="1">
+            <a:schemeClr val="accent1"/>
+          </a:fillRef>
+          <a:effectRef idx="0">
+            <a:schemeClr val="accent1"/>
+          </a:effectRef>
+          <a:fontRef idx="minor">
+            <a:schemeClr val="lt1"/>
+          </a:fontRef>
+        </p:style>
+        <p:txBody>
+          <a:bodyPr rtlCol="0" anchor="ctr"/>
+          <a:lstStyle/>
+          <a:p>
+            <a:pPr algn="ctr"/>
+            <a:r>
+              <a:rPr lang="ko-KR" altLang="en-US" dirty="0" smtClean="0">
+                <a:solidFill>
+                  <a:schemeClr val="tx1"/>
+                </a:solidFill>
+              </a:rPr>
+              <a:t>수학</a:t>
+            </a:r>
+            <a:endParaRPr lang="ko-KR" altLang="en-US" dirty="0">
+              <a:solidFill>
+                <a:schemeClr val="tx1"/>
+              </a:solidFill>
+            </a:endParaRPr>
+          </a:p>
+        </p:txBody>
+      </p:sp>
+      <p:sp>
+        <p:nvSpPr>
+          <p:cNvPr id="7" name="직사각형 6"/>
+          <p:cNvSpPr/>
+          <p:nvPr/>
+        </p:nvSpPr>
+        <p:spPr>
+          <a:xfrm>
+            <a:off x="4603868" y="4107904"/>
+            <a:ext cx="3119363" cy="1512168"/>
+          </a:xfrm>
+          <a:prstGeom prst="rect">
+            <a:avLst/>
+          </a:prstGeom>
+          <a:solidFill>
+            <a:schemeClr val="bg1"/>
+          </a:solidFill>
+          <a:ln>
+            <a:solidFill>
+              <a:schemeClr val="tx1"/>
+            </a:solidFill>
+          </a:ln>
+        </p:spPr>
+        <p:style>
+          <a:lnRef idx="2">
+            <a:schemeClr val="accent1">
+              <a:shade val="50000"/>
+            </a:schemeClr>
+          </a:lnRef>
+          <a:fillRef idx="1">
+            <a:schemeClr val="accent1"/>
+          </a:fillRef>
+          <a:effectRef idx="0">
+            <a:schemeClr val="accent1"/>
+          </a:effectRef>
+          <a:fontRef idx="minor">
+            <a:schemeClr val="lt1"/>
+          </a:fontRef>
+        </p:style>
+        <p:txBody>
+          <a:bodyPr rtlCol="0" anchor="ctr"/>
+          <a:lstStyle/>
+          <a:p>
+            <a:pPr algn="ctr"/>
+            <a:r>
+              <a:rPr lang="en-US" altLang="ko-KR" dirty="0" err="1" smtClean="0">
+                <a:solidFill>
+                  <a:schemeClr val="tx1"/>
+                </a:solidFill>
+              </a:rPr>
+              <a:t>etc</a:t>
+            </a:r>
+            <a:endParaRPr lang="ko-KR" altLang="en-US" dirty="0">
+              <a:solidFill>
+                <a:schemeClr val="tx1"/>
+              </a:solidFill>
+            </a:endParaRPr>
+          </a:p>
+        </p:txBody>
+      </p:sp>
+      <p:sp>
+        <p:nvSpPr>
+          <p:cNvPr id="8" name="직사각형 7"/>
+          <p:cNvSpPr/>
+          <p:nvPr/>
+        </p:nvSpPr>
+        <p:spPr>
+          <a:xfrm>
+            <a:off x="1212776" y="4107904"/>
+            <a:ext cx="3119363" cy="1512168"/>
+          </a:xfrm>
+          <a:prstGeom prst="rect">
+            <a:avLst/>
+          </a:prstGeom>
+          <a:solidFill>
+            <a:schemeClr val="bg1"/>
+          </a:solidFill>
+          <a:ln>
+            <a:solidFill>
+              <a:schemeClr val="tx1"/>
+            </a:solidFill>
+          </a:ln>
+        </p:spPr>
+        <p:style>
+          <a:lnRef idx="2">
+            <a:schemeClr val="accent1">
+              <a:shade val="50000"/>
+            </a:schemeClr>
+          </a:lnRef>
+          <a:fillRef idx="1">
+            <a:schemeClr val="accent1"/>
+          </a:fillRef>
+          <a:effectRef idx="0">
+            <a:schemeClr val="accent1"/>
+          </a:effectRef>
+          <a:fontRef idx="minor">
+            <a:schemeClr val="lt1"/>
+          </a:fontRef>
+        </p:style>
+        <p:txBody>
+          <a:bodyPr rtlCol="0" anchor="ctr"/>
+          <a:lstStyle/>
+          <a:p>
+            <a:pPr algn="ctr"/>
+            <a:r>
+              <a:rPr lang="ko-KR" altLang="en-US" dirty="0" smtClean="0">
+                <a:solidFill>
+                  <a:schemeClr val="tx1"/>
+                </a:solidFill>
+              </a:rPr>
+              <a:t>과학</a:t>
+            </a:r>
+            <a:endParaRPr lang="ko-KR" altLang="en-US" dirty="0">
+              <a:solidFill>
+                <a:schemeClr val="tx1"/>
+              </a:solidFill>
+            </a:endParaRPr>
+          </a:p>
+        </p:txBody>
+      </p:sp>
+      <p:sp>
+        <p:nvSpPr>
+          <p:cNvPr id="9" name="직사각형 8"/>
+          <p:cNvSpPr/>
+          <p:nvPr/>
+        </p:nvSpPr>
+        <p:spPr>
+          <a:xfrm>
+            <a:off x="1193583" y="5681748"/>
+            <a:ext cx="6480720" cy="504056"/>
+          </a:xfrm>
+          <a:prstGeom prst="rect">
+            <a:avLst/>
+          </a:prstGeom>
+          <a:solidFill>
+            <a:schemeClr val="bg1"/>
+          </a:solidFill>
+          <a:ln>
+            <a:solidFill>
+              <a:schemeClr val="tx1"/>
+            </a:solidFill>
+          </a:ln>
+        </p:spPr>
+        <p:style>
+          <a:lnRef idx="2">
+            <a:schemeClr val="accent1">
+              <a:shade val="50000"/>
+            </a:schemeClr>
+          </a:lnRef>
+          <a:fillRef idx="1">
+            <a:schemeClr val="accent1"/>
+          </a:fillRef>
+          <a:effectRef idx="0">
+            <a:schemeClr val="accent1"/>
+          </a:effectRef>
+          <a:fontRef idx="minor">
+            <a:schemeClr val="lt1"/>
+          </a:fontRef>
+        </p:style>
+        <p:txBody>
+          <a:bodyPr rtlCol="0" anchor="ctr"/>
+          <a:lstStyle/>
+          <a:p>
+            <a:pPr algn="ctr"/>
+            <a:r>
+              <a:rPr lang="ko-KR" altLang="en-US" dirty="0" smtClean="0">
+                <a:solidFill>
+                  <a:schemeClr val="tx1"/>
+                </a:solidFill>
+              </a:rPr>
+              <a:t>오늘의 </a:t>
+            </a:r>
+            <a:r>
+              <a:rPr lang="ko-KR" altLang="en-US" dirty="0" err="1" smtClean="0">
+                <a:solidFill>
+                  <a:schemeClr val="tx1"/>
+                </a:solidFill>
+              </a:rPr>
+              <a:t>영단어</a:t>
+            </a:r>
+            <a:endParaRPr lang="ko-KR" altLang="en-US" dirty="0">
+              <a:solidFill>
+                <a:schemeClr val="tx1"/>
+              </a:solidFill>
+            </a:endParaRPr>
+          </a:p>
+        </p:txBody>
+      </p:sp>
+      <p:sp>
+        <p:nvSpPr>
+          <p:cNvPr id="10" name="직사각형 9"/>
+          <p:cNvSpPr/>
+          <p:nvPr/>
+        </p:nvSpPr>
+        <p:spPr>
+          <a:xfrm>
+            <a:off x="1193583" y="6262026"/>
+            <a:ext cx="6480720" cy="504056"/>
+          </a:xfrm>
+          <a:prstGeom prst="rect">
+            <a:avLst/>
+          </a:prstGeom>
+          <a:solidFill>
+            <a:schemeClr val="bg1"/>
+          </a:solidFill>
+          <a:ln>
+            <a:solidFill>
+              <a:schemeClr val="tx1"/>
+            </a:solidFill>
+          </a:ln>
+        </p:spPr>
+        <p:style>
+          <a:lnRef idx="2">
+            <a:schemeClr val="accent1">
+              <a:shade val="50000"/>
+            </a:schemeClr>
+          </a:lnRef>
+          <a:fillRef idx="1">
+            <a:schemeClr val="accent1"/>
+          </a:fillRef>
+          <a:effectRef idx="0">
+            <a:schemeClr val="accent1"/>
+          </a:effectRef>
+          <a:fontRef idx="minor">
+            <a:schemeClr val="lt1"/>
+          </a:fontRef>
+        </p:style>
+        <p:txBody>
+          <a:bodyPr rtlCol="0" anchor="ctr"/>
+          <a:lstStyle/>
+          <a:p>
+            <a:pPr algn="ctr"/>
+            <a:r>
+              <a:rPr lang="ko-KR" altLang="en-US" dirty="0" smtClean="0">
+                <a:solidFill>
+                  <a:schemeClr val="tx1"/>
+                </a:solidFill>
+              </a:rPr>
+              <a:t>연락처 및 기타 사항</a:t>
+            </a:r>
+            <a:endParaRPr lang="ko-KR" altLang="en-US" dirty="0">
+              <a:solidFill>
+                <a:schemeClr val="tx1"/>
+              </a:solidFill>
+            </a:endParaRPr>
+          </a:p>
+        </p:txBody>
+      </p:sp>
+      <p:sp>
+        <p:nvSpPr>
+          <p:cNvPr id="17" name="직사각형 16"/>
+          <p:cNvSpPr/>
+          <p:nvPr/>
+        </p:nvSpPr>
+        <p:spPr>
+          <a:xfrm>
+            <a:off x="5804007" y="620688"/>
+            <a:ext cx="720080" cy="360040"/>
+          </a:xfrm>
+          <a:prstGeom prst="rect">
+            <a:avLst/>
+          </a:prstGeom>
+          <a:solidFill>
+            <a:schemeClr val="bg1"/>
+          </a:solidFill>
+          <a:ln>
+            <a:solidFill>
+              <a:schemeClr val="tx1"/>
+            </a:solidFill>
+          </a:ln>
+        </p:spPr>
+        <p:style>
+          <a:lnRef idx="2">
+            <a:schemeClr val="accent1">
+              <a:shade val="50000"/>
+            </a:schemeClr>
+          </a:lnRef>
+          <a:fillRef idx="1">
+            <a:schemeClr val="accent1"/>
+          </a:fillRef>
+          <a:effectRef idx="0">
+            <a:schemeClr val="accent1"/>
+          </a:effectRef>
+          <a:fontRef idx="minor">
+            <a:schemeClr val="lt1"/>
+          </a:fontRef>
+        </p:style>
+        <p:txBody>
+          <a:bodyPr rtlCol="0" anchor="ctr"/>
+          <a:lstStyle/>
+          <a:p>
+            <a:pPr algn="ctr"/>
+            <a:r>
+              <a:rPr lang="en-US" altLang="ko-KR" dirty="0" smtClean="0">
+                <a:solidFill>
+                  <a:schemeClr val="tx1"/>
+                </a:solidFill>
+              </a:rPr>
+              <a:t>login</a:t>
+            </a:r>
+            <a:endParaRPr lang="ko-KR" altLang="en-US" dirty="0">
+              <a:solidFill>
+                <a:schemeClr val="tx1"/>
+              </a:solidFill>
+            </a:endParaRPr>
+          </a:p>
+        </p:txBody>
+      </p:sp>
+      <p:sp>
+        <p:nvSpPr>
+          <p:cNvPr id="18" name="직사각형 17"/>
+          <p:cNvSpPr/>
+          <p:nvPr/>
+        </p:nvSpPr>
+        <p:spPr>
+          <a:xfrm>
+            <a:off x="6732240" y="620688"/>
+            <a:ext cx="720080" cy="360040"/>
+          </a:xfrm>
+          <a:prstGeom prst="rect">
+            <a:avLst/>
+          </a:prstGeom>
+          <a:solidFill>
+            <a:schemeClr val="bg1"/>
+          </a:solidFill>
+          <a:ln>
+            <a:solidFill>
+              <a:schemeClr val="tx1"/>
+            </a:solidFill>
+          </a:ln>
+        </p:spPr>
+        <p:style>
+          <a:lnRef idx="2">
+            <a:schemeClr val="accent1">
+              <a:shade val="50000"/>
+            </a:schemeClr>
+          </a:lnRef>
+          <a:fillRef idx="1">
+            <a:schemeClr val="accent1"/>
+          </a:fillRef>
+          <a:effectRef idx="0">
+            <a:schemeClr val="accent1"/>
+          </a:effectRef>
+          <a:fontRef idx="minor">
+            <a:schemeClr val="lt1"/>
+          </a:fontRef>
+        </p:style>
+        <p:txBody>
+          <a:bodyPr rtlCol="0" anchor="ctr"/>
+          <a:lstStyle/>
+          <a:p>
+            <a:pPr algn="ctr"/>
+            <a:r>
+              <a:rPr lang="en-US" altLang="ko-KR" dirty="0" smtClean="0">
+                <a:solidFill>
+                  <a:schemeClr val="tx1"/>
+                </a:solidFill>
+              </a:rPr>
+              <a:t>join</a:t>
+            </a:r>
+            <a:endParaRPr lang="ko-KR" altLang="en-US" dirty="0">
+              <a:solidFill>
+                <a:schemeClr val="tx1"/>
+              </a:solidFill>
+            </a:endParaRPr>
+          </a:p>
+        </p:txBody>
+      </p:sp>
     </p:spTree>
     <p:extLst>
       <p:ext uri="{BB962C8B-B14F-4D97-AF65-F5344CB8AC3E}">
@@ -4006,13 +4675,13 @@
       </p:sp>
       <p:sp>
         <p:nvSpPr>
-          <p:cNvPr id="7" name="직사각형 6"/>
+          <p:cNvPr id="10" name="직사각형 9"/>
           <p:cNvSpPr/>
           <p:nvPr/>
         </p:nvSpPr>
         <p:spPr>
           <a:xfrm>
-            <a:off x="8496436" y="2204864"/>
+            <a:off x="8497503" y="1859315"/>
             <a:ext cx="576064" cy="288032"/>
           </a:xfrm>
           <a:prstGeom prst="rect">
@@ -4049,12 +4718,12 @@
           <a:p>
             <a:pPr algn="ctr"/>
             <a:r>
-              <a:rPr lang="en-US" altLang="ko-KR" dirty="0" err="1" smtClean="0">
+              <a:rPr lang="en-US" altLang="ko-KR" dirty="0" smtClean="0">
                 <a:solidFill>
                   <a:schemeClr val="tx1"/>
                 </a:solidFill>
               </a:rPr>
-              <a:t>pdf</a:t>
+              <a:t>list</a:t>
             </a:r>
             <a:endParaRPr lang="ko-KR" altLang="en-US" dirty="0">
               <a:solidFill>
@@ -4066,13 +4735,13 @@
       </p:sp>
       <p:sp>
         <p:nvSpPr>
-          <p:cNvPr id="10" name="직사각형 9"/>
+          <p:cNvPr id="11" name="직사각형 10"/>
           <p:cNvSpPr/>
           <p:nvPr/>
         </p:nvSpPr>
         <p:spPr>
           <a:xfrm>
-            <a:off x="8496436" y="1708718"/>
+            <a:off x="8497503" y="2313943"/>
             <a:ext cx="576064" cy="288032"/>
           </a:xfrm>
           <a:prstGeom prst="rect">
@@ -4109,31 +4778,194 @@
           <a:p>
             <a:pPr algn="ctr"/>
             <a:r>
-              <a:rPr lang="en-US" altLang="ko-KR" dirty="0" smtClean="0">
+              <a:rPr lang="ko-KR" altLang="en-US" sz="1400" dirty="0" smtClean="0">
                 <a:solidFill>
                   <a:schemeClr val="tx1"/>
                 </a:solidFill>
               </a:rPr>
-              <a:t>list</a:t>
-            </a:r>
-            <a:endParaRPr lang="ko-KR" altLang="en-US" dirty="0">
-              <a:solidFill>
-                <a:schemeClr val="tx1"/>
-              </a:solidFill>
-            </a:endParaRPr>
-          </a:p>
-        </p:txBody>
-      </p:sp>
-      <p:sp>
-        <p:nvSpPr>
-          <p:cNvPr id="11" name="직사각형 10"/>
+              <a:t>검</a:t>
+            </a:r>
+            <a:r>
+              <a:rPr lang="ko-KR" altLang="en-US" sz="1400" dirty="0">
+                <a:solidFill>
+                  <a:schemeClr val="tx1"/>
+                </a:solidFill>
+              </a:rPr>
+              <a:t>색</a:t>
+            </a:r>
+          </a:p>
+        </p:txBody>
+      </p:sp>
+      <p:sp>
+        <p:nvSpPr>
+          <p:cNvPr id="12" name="직사각형 11"/>
           <p:cNvSpPr/>
           <p:nvPr/>
         </p:nvSpPr>
         <p:spPr>
           <a:xfrm>
-            <a:off x="8506173" y="2708920"/>
-            <a:ext cx="576064" cy="288032"/>
+            <a:off x="2324945" y="1916832"/>
+            <a:ext cx="1152128" cy="3240360"/>
+          </a:xfrm>
+          <a:prstGeom prst="rect">
+            <a:avLst/>
+          </a:prstGeom>
+        </p:spPr>
+        <p:style>
+          <a:lnRef idx="2">
+            <a:schemeClr val="accent1">
+              <a:shade val="50000"/>
+            </a:schemeClr>
+          </a:lnRef>
+          <a:fillRef idx="1">
+            <a:schemeClr val="accent1"/>
+          </a:fillRef>
+          <a:effectRef idx="0">
+            <a:schemeClr val="accent1"/>
+          </a:effectRef>
+          <a:fontRef idx="minor">
+            <a:schemeClr val="lt1"/>
+          </a:fontRef>
+        </p:style>
+        <p:txBody>
+          <a:bodyPr rtlCol="0" anchor="ctr"/>
+          <a:lstStyle/>
+          <a:p>
+            <a:pPr algn="ctr"/>
+            <a:r>
+              <a:rPr lang="ko-KR" altLang="en-US" dirty="0" smtClean="0"/>
+              <a:t>재생</a:t>
+            </a:r>
+            <a:endParaRPr lang="en-US" altLang="ko-KR" dirty="0" smtClean="0"/>
+          </a:p>
+          <a:p>
+            <a:pPr algn="ctr"/>
+            <a:r>
+              <a:rPr lang="ko-KR" altLang="en-US" dirty="0" smtClean="0"/>
+              <a:t>정</a:t>
+            </a:r>
+            <a:r>
+              <a:rPr lang="ko-KR" altLang="en-US" dirty="0"/>
+              <a:t>지</a:t>
+            </a:r>
+            <a:endParaRPr lang="en-US" altLang="ko-KR" dirty="0" smtClean="0"/>
+          </a:p>
+        </p:txBody>
+      </p:sp>
+      <p:sp>
+        <p:nvSpPr>
+          <p:cNvPr id="13" name="직사각형 12"/>
+          <p:cNvSpPr/>
+          <p:nvPr/>
+        </p:nvSpPr>
+        <p:spPr>
+          <a:xfrm>
+            <a:off x="3851919" y="1906690"/>
+            <a:ext cx="1497361" cy="3240360"/>
+          </a:xfrm>
+          <a:prstGeom prst="rect">
+            <a:avLst/>
+          </a:prstGeom>
+        </p:spPr>
+        <p:style>
+          <a:lnRef idx="2">
+            <a:schemeClr val="accent1">
+              <a:shade val="50000"/>
+            </a:schemeClr>
+          </a:lnRef>
+          <a:fillRef idx="1">
+            <a:schemeClr val="accent1"/>
+          </a:fillRef>
+          <a:effectRef idx="0">
+            <a:schemeClr val="accent1"/>
+          </a:effectRef>
+          <a:fontRef idx="minor">
+            <a:schemeClr val="lt1"/>
+          </a:fontRef>
+        </p:style>
+        <p:txBody>
+          <a:bodyPr rtlCol="0" anchor="ctr"/>
+          <a:lstStyle/>
+          <a:p>
+            <a:pPr algn="ctr"/>
+            <a:r>
+              <a:rPr lang="ko-KR" altLang="en-US" dirty="0" smtClean="0"/>
+              <a:t>앞으로 </a:t>
+            </a:r>
+            <a:r>
+              <a:rPr lang="en-US" altLang="ko-KR" dirty="0" smtClean="0"/>
+              <a:t>10</a:t>
+            </a:r>
+            <a:r>
+              <a:rPr lang="ko-KR" altLang="en-US" dirty="0" smtClean="0"/>
+              <a:t>초</a:t>
+            </a:r>
+            <a:endParaRPr lang="ko-KR" altLang="en-US" dirty="0"/>
+          </a:p>
+        </p:txBody>
+      </p:sp>
+      <p:sp>
+        <p:nvSpPr>
+          <p:cNvPr id="14" name="직사각형 13"/>
+          <p:cNvSpPr/>
+          <p:nvPr/>
+        </p:nvSpPr>
+        <p:spPr>
+          <a:xfrm>
+            <a:off x="444014" y="1916832"/>
+            <a:ext cx="1497361" cy="3240360"/>
+          </a:xfrm>
+          <a:prstGeom prst="rect">
+            <a:avLst/>
+          </a:prstGeom>
+        </p:spPr>
+        <p:style>
+          <a:lnRef idx="2">
+            <a:schemeClr val="accent1">
+              <a:shade val="50000"/>
+            </a:schemeClr>
+          </a:lnRef>
+          <a:fillRef idx="1">
+            <a:schemeClr val="accent1"/>
+          </a:fillRef>
+          <a:effectRef idx="0">
+            <a:schemeClr val="accent1"/>
+          </a:effectRef>
+          <a:fontRef idx="minor">
+            <a:schemeClr val="lt1"/>
+          </a:fontRef>
+        </p:style>
+        <p:txBody>
+          <a:bodyPr rtlCol="0" anchor="ctr"/>
+          <a:lstStyle/>
+          <a:p>
+            <a:pPr algn="ctr"/>
+            <a:r>
+              <a:rPr lang="ko-KR" altLang="en-US" dirty="0" smtClean="0"/>
+              <a:t>뒤로 </a:t>
+            </a:r>
+            <a:r>
+              <a:rPr lang="en-US" altLang="ko-KR" dirty="0" smtClean="0"/>
+              <a:t>10</a:t>
+            </a:r>
+            <a:r>
+              <a:rPr lang="ko-KR" altLang="en-US" dirty="0" smtClean="0"/>
+              <a:t>초</a:t>
+            </a:r>
+            <a:endParaRPr lang="ko-KR" altLang="en-US" dirty="0"/>
+          </a:p>
+        </p:txBody>
+      </p:sp>
+      <p:sp>
+        <p:nvSpPr>
+          <p:cNvPr id="15" name="직사각형 14"/>
+          <p:cNvSpPr/>
+          <p:nvPr/>
+        </p:nvSpPr>
+        <p:spPr>
+          <a:xfrm>
+            <a:off x="444014" y="5733256"/>
+            <a:ext cx="4905266" cy="720080"/>
           </a:xfrm>
           <a:prstGeom prst="rect">
             <a:avLst/>
@@ -4169,36 +5001,33 @@
           <a:p>
             <a:pPr algn="ctr"/>
             <a:r>
-              <a:rPr lang="ko-KR" altLang="en-US" sz="1400" dirty="0" smtClean="0">
+              <a:rPr lang="ko-KR" altLang="en-US" dirty="0" smtClean="0">
                 <a:solidFill>
                   <a:schemeClr val="tx1"/>
                 </a:solidFill>
               </a:rPr>
-              <a:t>검</a:t>
-            </a:r>
-            <a:r>
-              <a:rPr lang="ko-KR" altLang="en-US" sz="1400" dirty="0">
-                <a:solidFill>
-                  <a:schemeClr val="tx1"/>
-                </a:solidFill>
-              </a:rPr>
-              <a:t>색</a:t>
-            </a:r>
-          </a:p>
-        </p:txBody>
-      </p:sp>
-      <p:sp>
-        <p:nvSpPr>
-          <p:cNvPr id="12" name="직사각형 11"/>
+              <a:t>동영상 앞에 투명한 버튼을 생성 </a:t>
+            </a:r>
+            <a:endParaRPr lang="ko-KR" altLang="en-US" dirty="0">
+              <a:solidFill>
+                <a:schemeClr val="tx1"/>
+              </a:solidFill>
+            </a:endParaRPr>
+          </a:p>
+        </p:txBody>
+      </p:sp>
+      <p:sp>
+        <p:nvSpPr>
+          <p:cNvPr id="8" name="아래쪽 화살표 7"/>
           <p:cNvSpPr/>
           <p:nvPr/>
         </p:nvSpPr>
         <p:spPr>
           <a:xfrm>
-            <a:off x="2324945" y="1916832"/>
-            <a:ext cx="1152128" cy="3240360"/>
-          </a:xfrm>
-          <a:prstGeom prst="rect">
+            <a:off x="2612977" y="5231334"/>
+            <a:ext cx="576064" cy="432048"/>
+          </a:xfrm>
+          <a:prstGeom prst="downArrow">
             <a:avLst/>
           </a:prstGeom>
         </p:spPr>
@@ -4223,140 +5052,20 @@
           <a:lstStyle/>
           <a:p>
             <a:pPr algn="ctr"/>
-            <a:r>
-              <a:rPr lang="ko-KR" altLang="en-US" dirty="0" smtClean="0"/>
-              <a:t>재생</a:t>
-            </a:r>
-            <a:endParaRPr lang="en-US" altLang="ko-KR" dirty="0" smtClean="0"/>
-          </a:p>
-          <a:p>
-            <a:pPr algn="ctr"/>
-            <a:r>
-              <a:rPr lang="ko-KR" altLang="en-US" dirty="0" smtClean="0"/>
-              <a:t>정</a:t>
-            </a:r>
-            <a:r>
-              <a:rPr lang="ko-KR" altLang="en-US" dirty="0"/>
-              <a:t>지</a:t>
-            </a:r>
-            <a:endParaRPr lang="en-US" altLang="ko-KR" dirty="0" smtClean="0"/>
-          </a:p>
-        </p:txBody>
-      </p:sp>
-      <p:sp>
-        <p:nvSpPr>
-          <p:cNvPr id="13" name="직사각형 12"/>
+            <a:endParaRPr lang="ko-KR" altLang="en-US"/>
+          </a:p>
+        </p:txBody>
+      </p:sp>
+      <p:sp>
+        <p:nvSpPr>
+          <p:cNvPr id="9" name="직사각형 8"/>
           <p:cNvSpPr/>
           <p:nvPr/>
         </p:nvSpPr>
         <p:spPr>
           <a:xfrm>
-            <a:off x="3851919" y="1906690"/>
-            <a:ext cx="1497361" cy="3240360"/>
-          </a:xfrm>
-          <a:prstGeom prst="rect">
-            <a:avLst/>
-          </a:prstGeom>
-        </p:spPr>
-        <p:style>
-          <a:lnRef idx="2">
-            <a:schemeClr val="accent1">
-              <a:shade val="50000"/>
-            </a:schemeClr>
-          </a:lnRef>
-          <a:fillRef idx="1">
-            <a:schemeClr val="accent1"/>
-          </a:fillRef>
-          <a:effectRef idx="0">
-            <a:schemeClr val="accent1"/>
-          </a:effectRef>
-          <a:fontRef idx="minor">
-            <a:schemeClr val="lt1"/>
-          </a:fontRef>
-        </p:style>
-        <p:txBody>
-          <a:bodyPr rtlCol="0" anchor="ctr"/>
-          <a:lstStyle/>
-          <a:p>
-            <a:pPr algn="ctr"/>
-            <a:r>
-              <a:rPr lang="ko-KR" altLang="en-US" dirty="0" smtClean="0"/>
-              <a:t>앞으로 </a:t>
-            </a:r>
-            <a:r>
-              <a:rPr lang="en-US" altLang="ko-KR" dirty="0" smtClean="0"/>
-              <a:t>10</a:t>
-            </a:r>
-            <a:r>
-              <a:rPr lang="ko-KR" altLang="en-US" dirty="0" smtClean="0"/>
-              <a:t>초</a:t>
-            </a:r>
-            <a:endParaRPr lang="ko-KR" altLang="en-US" dirty="0"/>
-          </a:p>
-        </p:txBody>
-      </p:sp>
-      <p:sp>
-        <p:nvSpPr>
-          <p:cNvPr id="14" name="직사각형 13"/>
-          <p:cNvSpPr/>
-          <p:nvPr/>
-        </p:nvSpPr>
-        <p:spPr>
-          <a:xfrm>
-            <a:off x="444014" y="1916832"/>
-            <a:ext cx="1497361" cy="3240360"/>
-          </a:xfrm>
-          <a:prstGeom prst="rect">
-            <a:avLst/>
-          </a:prstGeom>
-        </p:spPr>
-        <p:style>
-          <a:lnRef idx="2">
-            <a:schemeClr val="accent1">
-              <a:shade val="50000"/>
-            </a:schemeClr>
-          </a:lnRef>
-          <a:fillRef idx="1">
-            <a:schemeClr val="accent1"/>
-          </a:fillRef>
-          <a:effectRef idx="0">
-            <a:schemeClr val="accent1"/>
-          </a:effectRef>
-          <a:fontRef idx="minor">
-            <a:schemeClr val="lt1"/>
-          </a:fontRef>
-        </p:style>
-        <p:txBody>
-          <a:bodyPr rtlCol="0" anchor="ctr"/>
-          <a:lstStyle/>
-          <a:p>
-            <a:pPr algn="ctr"/>
-            <a:r>
-              <a:rPr lang="ko-KR" altLang="en-US" dirty="0" smtClean="0"/>
-              <a:t>뒤로 </a:t>
-            </a:r>
-            <a:r>
-              <a:rPr lang="en-US" altLang="ko-KR" dirty="0" smtClean="0"/>
-              <a:t>10</a:t>
-            </a:r>
-            <a:r>
-              <a:rPr lang="ko-KR" altLang="en-US" dirty="0" smtClean="0"/>
-              <a:t>초</a:t>
-            </a:r>
-            <a:endParaRPr lang="ko-KR" altLang="en-US" dirty="0"/>
-          </a:p>
-        </p:txBody>
-      </p:sp>
-      <p:sp>
-        <p:nvSpPr>
-          <p:cNvPr id="15" name="직사각형 14"/>
-          <p:cNvSpPr/>
-          <p:nvPr/>
-        </p:nvSpPr>
-        <p:spPr>
-          <a:xfrm>
-            <a:off x="444014" y="5373216"/>
-            <a:ext cx="4905266" cy="720080"/>
+            <a:off x="5583003" y="5733256"/>
+            <a:ext cx="3381486" cy="924026"/>
           </a:xfrm>
           <a:prstGeom prst="rect">
             <a:avLst/>
@@ -4392,12 +5101,60 @@
           <a:p>
             <a:pPr algn="ctr"/>
             <a:r>
+              <a:rPr lang="en-US" altLang="ko-KR" dirty="0" smtClean="0">
+                <a:solidFill>
+                  <a:schemeClr val="tx1"/>
+                </a:solidFill>
+              </a:rPr>
+              <a:t>Edge</a:t>
+            </a:r>
+            <a:r>
               <a:rPr lang="ko-KR" altLang="en-US" dirty="0" smtClean="0">
                 <a:solidFill>
                   <a:schemeClr val="tx1"/>
                 </a:solidFill>
               </a:rPr>
-              <a:t>동영상 앞에 투명한 버튼을 생성 </a:t>
+              <a:t>에서 필기 </a:t>
+            </a:r>
+            <a:r>
+              <a:rPr lang="ko-KR" altLang="en-US" dirty="0" err="1" smtClean="0">
+                <a:solidFill>
+                  <a:schemeClr val="tx1"/>
+                </a:solidFill>
+              </a:rPr>
+              <a:t>입력시</a:t>
+            </a:r>
+            <a:r>
+              <a:rPr lang="ko-KR" altLang="en-US" dirty="0" smtClean="0">
+                <a:solidFill>
+                  <a:schemeClr val="tx1"/>
+                </a:solidFill>
+              </a:rPr>
+              <a:t> 동영상이 정지되므로 새 창을 열어 </a:t>
+            </a:r>
+            <a:r>
+              <a:rPr lang="en-US" altLang="ko-KR" dirty="0" err="1" smtClean="0">
+                <a:solidFill>
+                  <a:schemeClr val="tx1"/>
+                </a:solidFill>
+              </a:rPr>
+              <a:t>pdf</a:t>
+            </a:r>
+            <a:r>
+              <a:rPr lang="ko-KR" altLang="en-US" dirty="0" smtClean="0">
+                <a:solidFill>
+                  <a:schemeClr val="tx1"/>
+                </a:solidFill>
+              </a:rPr>
+              <a:t>가 출력되도록 </a:t>
+            </a:r>
+            <a:r>
+              <a:rPr lang="ko-KR" altLang="en-US" dirty="0" err="1" smtClean="0">
+                <a:solidFill>
+                  <a:schemeClr val="tx1"/>
+                </a:solidFill>
+              </a:rPr>
+              <a:t>해야함</a:t>
             </a:r>
             <a:endParaRPr lang="ko-KR" altLang="en-US" dirty="0">
               <a:solidFill>
@@ -4411,6 +5168,180 @@
     <p:extLst>
       <p:ext uri="{BB962C8B-B14F-4D97-AF65-F5344CB8AC3E}">
         <p14:creationId xmlns:p14="http://schemas.microsoft.com/office/powerpoint/2010/main" val="2676143389"/>
+      </p:ext>
+    </p:extLst>
+  </p:cSld>
+  <p:clrMapOvr>
+    <a:masterClrMapping/>
+  </p:clrMapOvr>
+</p:sld>
+</file>
+
+<file path=ppt/slides/slide5.xml><?xml version="1.0" encoding="utf-8"?>
+<p:sld xmlns:a="http://schemas.openxmlformats.org/drawingml/2006/main" xmlns:r="http://schemas.openxmlformats.org/officeDocument/2006/relationships" xmlns:p="http://schemas.openxmlformats.org/presentationml/2006/main">
+  <p:cSld>
+    <p:spTree>
+      <p:nvGrpSpPr>
+        <p:cNvPr id="1" name=""/>
+        <p:cNvGrpSpPr/>
+        <p:nvPr/>
+      </p:nvGrpSpPr>
+      <p:grpSpPr>
+        <a:xfrm>
+          <a:off x="0" y="0"/>
+          <a:ext cx="0" cy="0"/>
+          <a:chOff x="0" y="0"/>
+          <a:chExt cx="0" cy="0"/>
+        </a:xfrm>
+      </p:grpSpPr>
+      <p:sp>
+        <p:nvSpPr>
+          <p:cNvPr id="4" name="직사각형 3"/>
+          <p:cNvSpPr/>
+          <p:nvPr/>
+        </p:nvSpPr>
+        <p:spPr>
+          <a:xfrm>
+            <a:off x="467544" y="332656"/>
+            <a:ext cx="3096344" cy="648072"/>
+          </a:xfrm>
+          <a:prstGeom prst="rect">
+            <a:avLst/>
+          </a:prstGeom>
+          <a:solidFill>
+            <a:schemeClr val="bg1"/>
+          </a:solidFill>
+          <a:ln>
+            <a:solidFill>
+              <a:schemeClr val="tx1"/>
+            </a:solidFill>
+          </a:ln>
+        </p:spPr>
+        <p:style>
+          <a:lnRef idx="2">
+            <a:schemeClr val="accent1">
+              <a:shade val="50000"/>
+            </a:schemeClr>
+          </a:lnRef>
+          <a:fillRef idx="1">
+            <a:schemeClr val="accent1"/>
+          </a:fillRef>
+          <a:effectRef idx="0">
+            <a:schemeClr val="accent1"/>
+          </a:effectRef>
+          <a:fontRef idx="minor">
+            <a:schemeClr val="lt1"/>
+          </a:fontRef>
+        </p:style>
+        <p:txBody>
+          <a:bodyPr rtlCol="0" anchor="ctr"/>
+          <a:lstStyle/>
+          <a:p>
+            <a:pPr algn="ctr"/>
+            <a:r>
+              <a:rPr lang="en-US" altLang="ko-KR" dirty="0" err="1" smtClean="0">
+                <a:solidFill>
+                  <a:schemeClr val="tx1"/>
+                </a:solidFill>
+              </a:rPr>
+              <a:t>pdg</a:t>
+            </a:r>
+            <a:r>
+              <a:rPr lang="ko-KR" altLang="en-US" dirty="0" smtClean="0">
+                <a:solidFill>
+                  <a:schemeClr val="tx1"/>
+                </a:solidFill>
+              </a:rPr>
+              <a:t> </a:t>
+            </a:r>
+            <a:r>
+              <a:rPr lang="ko-KR" altLang="en-US" dirty="0" smtClean="0">
+                <a:solidFill>
+                  <a:schemeClr val="tx1"/>
+                </a:solidFill>
+              </a:rPr>
+              <a:t>실행</a:t>
+            </a:r>
+            <a:endParaRPr lang="en-US" altLang="ko-KR" dirty="0" smtClean="0">
+              <a:solidFill>
+                <a:schemeClr val="tx1"/>
+              </a:solidFill>
+            </a:endParaRPr>
+          </a:p>
+        </p:txBody>
+      </p:sp>
+      <p:sp>
+        <p:nvSpPr>
+          <p:cNvPr id="5" name="직사각형 4"/>
+          <p:cNvSpPr/>
+          <p:nvPr/>
+        </p:nvSpPr>
+        <p:spPr>
+          <a:xfrm>
+            <a:off x="2015716" y="1340768"/>
+            <a:ext cx="4788532" cy="5040560"/>
+          </a:xfrm>
+          <a:prstGeom prst="rect">
+            <a:avLst/>
+          </a:prstGeom>
+          <a:solidFill>
+            <a:schemeClr val="bg1"/>
+          </a:solidFill>
+          <a:ln>
+            <a:solidFill>
+              <a:schemeClr val="tx1"/>
+            </a:solidFill>
+          </a:ln>
+        </p:spPr>
+        <p:style>
+          <a:lnRef idx="2">
+            <a:schemeClr val="accent1">
+              <a:shade val="50000"/>
+            </a:schemeClr>
+          </a:lnRef>
+          <a:fillRef idx="1">
+            <a:schemeClr val="accent1"/>
+          </a:fillRef>
+          <a:effectRef idx="0">
+            <a:schemeClr val="accent1"/>
+          </a:effectRef>
+          <a:fontRef idx="minor">
+            <a:schemeClr val="lt1"/>
+          </a:fontRef>
+        </p:style>
+        <p:txBody>
+          <a:bodyPr rtlCol="0" anchor="ctr"/>
+          <a:lstStyle/>
+          <a:p>
+            <a:pPr algn="ctr"/>
+            <a:r>
+              <a:rPr lang="en-US" altLang="ko-KR" dirty="0" smtClean="0">
+                <a:solidFill>
+                  <a:schemeClr val="tx1"/>
+                </a:solidFill>
+              </a:rPr>
+              <a:t>Edge </a:t>
+            </a:r>
+            <a:r>
+              <a:rPr lang="ko-KR" altLang="en-US" dirty="0" smtClean="0">
+                <a:solidFill>
+                  <a:schemeClr val="tx1"/>
+                </a:solidFill>
+              </a:rPr>
+              <a:t>필기 기능 활용</a:t>
+            </a:r>
+            <a:endParaRPr lang="ko-KR" altLang="en-US" dirty="0">
+              <a:solidFill>
+                <a:schemeClr val="tx1"/>
+              </a:solidFill>
+            </a:endParaRPr>
+          </a:p>
+        </p:txBody>
+      </p:sp>
+    </p:spTree>
+    <p:extLst>
+      <p:ext uri="{BB962C8B-B14F-4D97-AF65-F5344CB8AC3E}">
+        <p14:creationId xmlns:p14="http://schemas.microsoft.com/office/powerpoint/2010/main" val="92921602"/>
       </p:ext>
     </p:extLst>
   </p:cSld>
